--- a/Pres/Solid.pptx
+++ b/Pres/Solid.pptx
@@ -5756,7 +5756,7 @@
           <a:p>
             <a:fld id="{E15B7D8E-2A20-4C0E-991C-872DBB7459A8}" type="datetimeFigureOut">
               <a:rPr lang="da-DK" smtClean="0"/>
-              <a:t>15-04-2018</a:t>
+              <a:t>16-04-2018</a:t>
             </a:fld>
             <a:endParaRPr lang="da-DK"/>
           </a:p>
@@ -5926,7 +5926,7 @@
           <a:p>
             <a:fld id="{E15B7D8E-2A20-4C0E-991C-872DBB7459A8}" type="datetimeFigureOut">
               <a:rPr lang="da-DK" smtClean="0"/>
-              <a:t>15-04-2018</a:t>
+              <a:t>16-04-2018</a:t>
             </a:fld>
             <a:endParaRPr lang="da-DK"/>
           </a:p>
@@ -6106,7 +6106,7 @@
           <a:p>
             <a:fld id="{E15B7D8E-2A20-4C0E-991C-872DBB7459A8}" type="datetimeFigureOut">
               <a:rPr lang="da-DK" smtClean="0"/>
-              <a:t>15-04-2018</a:t>
+              <a:t>16-04-2018</a:t>
             </a:fld>
             <a:endParaRPr lang="da-DK"/>
           </a:p>
@@ -6276,7 +6276,7 @@
           <a:p>
             <a:fld id="{E15B7D8E-2A20-4C0E-991C-872DBB7459A8}" type="datetimeFigureOut">
               <a:rPr lang="da-DK" smtClean="0"/>
-              <a:t>15-04-2018</a:t>
+              <a:t>16-04-2018</a:t>
             </a:fld>
             <a:endParaRPr lang="da-DK"/>
           </a:p>
@@ -6522,7 +6522,7 @@
           <a:p>
             <a:fld id="{E15B7D8E-2A20-4C0E-991C-872DBB7459A8}" type="datetimeFigureOut">
               <a:rPr lang="da-DK" smtClean="0"/>
-              <a:t>15-04-2018</a:t>
+              <a:t>16-04-2018</a:t>
             </a:fld>
             <a:endParaRPr lang="da-DK"/>
           </a:p>
@@ -6754,7 +6754,7 @@
           <a:p>
             <a:fld id="{E15B7D8E-2A20-4C0E-991C-872DBB7459A8}" type="datetimeFigureOut">
               <a:rPr lang="da-DK" smtClean="0"/>
-              <a:t>15-04-2018</a:t>
+              <a:t>16-04-2018</a:t>
             </a:fld>
             <a:endParaRPr lang="da-DK"/>
           </a:p>
@@ -7121,7 +7121,7 @@
           <a:p>
             <a:fld id="{E15B7D8E-2A20-4C0E-991C-872DBB7459A8}" type="datetimeFigureOut">
               <a:rPr lang="da-DK" smtClean="0"/>
-              <a:t>15-04-2018</a:t>
+              <a:t>16-04-2018</a:t>
             </a:fld>
             <a:endParaRPr lang="da-DK"/>
           </a:p>
@@ -7239,7 +7239,7 @@
           <a:p>
             <a:fld id="{E15B7D8E-2A20-4C0E-991C-872DBB7459A8}" type="datetimeFigureOut">
               <a:rPr lang="da-DK" smtClean="0"/>
-              <a:t>15-04-2018</a:t>
+              <a:t>16-04-2018</a:t>
             </a:fld>
             <a:endParaRPr lang="da-DK"/>
           </a:p>
@@ -7334,7 +7334,7 @@
           <a:p>
             <a:fld id="{E15B7D8E-2A20-4C0E-991C-872DBB7459A8}" type="datetimeFigureOut">
               <a:rPr lang="da-DK" smtClean="0"/>
-              <a:t>15-04-2018</a:t>
+              <a:t>16-04-2018</a:t>
             </a:fld>
             <a:endParaRPr lang="da-DK"/>
           </a:p>
@@ -7611,7 +7611,7 @@
           <a:p>
             <a:fld id="{E15B7D8E-2A20-4C0E-991C-872DBB7459A8}" type="datetimeFigureOut">
               <a:rPr lang="da-DK" smtClean="0"/>
-              <a:t>15-04-2018</a:t>
+              <a:t>16-04-2018</a:t>
             </a:fld>
             <a:endParaRPr lang="da-DK"/>
           </a:p>
@@ -7864,7 +7864,7 @@
           <a:p>
             <a:fld id="{E15B7D8E-2A20-4C0E-991C-872DBB7459A8}" type="datetimeFigureOut">
               <a:rPr lang="da-DK" smtClean="0"/>
-              <a:t>15-04-2018</a:t>
+              <a:t>16-04-2018</a:t>
             </a:fld>
             <a:endParaRPr lang="da-DK"/>
           </a:p>
@@ -8077,7 +8077,7 @@
           <a:p>
             <a:fld id="{E15B7D8E-2A20-4C0E-991C-872DBB7459A8}" type="datetimeFigureOut">
               <a:rPr lang="da-DK" smtClean="0"/>
-              <a:t>15-04-2018</a:t>
+              <a:t>16-04-2018</a:t>
             </a:fld>
             <a:endParaRPr lang="da-DK"/>
           </a:p>
@@ -9305,6 +9305,7 @@
                 <a:lumMod val="50000"/>
               </a:schemeClr>
             </a:solidFill>
+            <a:prstDash val="sysDot"/>
             <a:headEnd w="lg" len="lg"/>
             <a:tailEnd type="arrow" w="lg" len="lg"/>
           </a:ln>
@@ -9795,6 +9796,7 @@
                 <a:lumMod val="50000"/>
               </a:schemeClr>
             </a:solidFill>
+            <a:prstDash val="sysDot"/>
             <a:headEnd w="lg" len="lg"/>
             <a:tailEnd type="arrow" w="lg" len="lg"/>
           </a:ln>
@@ -9976,6 +9978,7 @@
                 <a:lumMod val="50000"/>
               </a:schemeClr>
             </a:solidFill>
+            <a:prstDash val="sysDot"/>
             <a:headEnd w="lg" len="lg"/>
             <a:tailEnd type="arrow" w="lg" len="lg"/>
           </a:ln>
@@ -10161,13 +10164,13 @@
   <p:clrMapOvr>
     <a:masterClrMapping/>
   </p:clrMapOvr>
-  <mc:AlternateContent xmlns:mc="http://schemas.openxmlformats.org/markup-compatibility/2006">
-    <mc:Choice xmlns:p14="http://schemas.microsoft.com/office/powerpoint/2010/main" Requires="p14">
+  <mc:AlternateContent xmlns:mc="http://schemas.openxmlformats.org/markup-compatibility/2006" xmlns:p14="http://schemas.microsoft.com/office/powerpoint/2010/main">
+    <mc:Choice Requires="p14">
       <p:transition spd="med" p14:dur="700">
         <p:fade/>
       </p:transition>
     </mc:Choice>
-    <mc:Fallback>
+    <mc:Fallback xmlns="">
       <p:transition spd="med">
         <p:fade/>
       </p:transition>
@@ -10637,6 +10640,7 @@
                 <a:lumMod val="50000"/>
               </a:schemeClr>
             </a:solidFill>
+            <a:prstDash val="sysDot"/>
             <a:headEnd w="lg" len="lg"/>
             <a:tailEnd type="arrow" w="lg" len="lg"/>
           </a:ln>
@@ -10974,6 +10978,7 @@
                 <a:lumMod val="50000"/>
               </a:schemeClr>
             </a:solidFill>
+            <a:prstDash val="sysDot"/>
             <a:headEnd w="lg" len="lg"/>
             <a:tailEnd type="arrow" w="lg" len="lg"/>
           </a:ln>
@@ -11159,13 +11164,13 @@
   <p:clrMapOvr>
     <a:masterClrMapping/>
   </p:clrMapOvr>
-  <mc:AlternateContent xmlns:mc="http://schemas.openxmlformats.org/markup-compatibility/2006">
-    <mc:Choice xmlns:p14="http://schemas.microsoft.com/office/powerpoint/2010/main" Requires="p14">
+  <mc:AlternateContent xmlns:mc="http://schemas.openxmlformats.org/markup-compatibility/2006" xmlns:p14="http://schemas.microsoft.com/office/powerpoint/2010/main">
+    <mc:Choice Requires="p14">
       <p:transition spd="med" p14:dur="700">
         <p:fade/>
       </p:transition>
     </mc:Choice>
-    <mc:Fallback>
+    <mc:Fallback xmlns="">
       <p:transition spd="med">
         <p:fade/>
       </p:transition>
@@ -11455,6 +11460,7 @@
                 <a:lumMod val="50000"/>
               </a:schemeClr>
             </a:solidFill>
+            <a:prstDash val="sysDot"/>
             <a:headEnd w="lg" len="lg"/>
             <a:tailEnd type="arrow" w="lg" len="lg"/>
           </a:ln>
@@ -11536,13 +11542,13 @@
   <p:clrMapOvr>
     <a:masterClrMapping/>
   </p:clrMapOvr>
-  <mc:AlternateContent xmlns:mc="http://schemas.openxmlformats.org/markup-compatibility/2006">
-    <mc:Choice xmlns:p14="http://schemas.microsoft.com/office/powerpoint/2010/main" Requires="p14">
+  <mc:AlternateContent xmlns:mc="http://schemas.openxmlformats.org/markup-compatibility/2006" xmlns:p14="http://schemas.microsoft.com/office/powerpoint/2010/main">
+    <mc:Choice Requires="p14">
       <p:transition spd="med" p14:dur="700">
         <p:fade/>
       </p:transition>
     </mc:Choice>
-    <mc:Fallback>
+    <mc:Fallback xmlns="">
       <p:transition spd="med">
         <p:fade/>
       </p:transition>
@@ -11660,11 +11666,7 @@
           <a:p>
             <a:r>
               <a:rPr lang="da-DK" sz="3200" smtClean="0"/>
-              <a:t>Can also be applied at lower </a:t>
-            </a:r>
-            <a:r>
-              <a:rPr lang="da-DK" sz="3200" smtClean="0"/>
-              <a:t>levels</a:t>
+              <a:t>Can also be applied at lower levels</a:t>
             </a:r>
           </a:p>
           <a:p>
@@ -11698,7 +11700,6 @@
               <a:rPr lang="da-DK" sz="3200" smtClean="0"/>
               <a:t>!</a:t>
             </a:r>
-            <a:endParaRPr lang="da-DK" sz="3200" smtClean="0"/>
           </a:p>
         </p:txBody>
       </p:sp>
@@ -11936,13 +11937,13 @@
   <p:clrMapOvr>
     <a:masterClrMapping/>
   </p:clrMapOvr>
-  <mc:AlternateContent xmlns:mc="http://schemas.openxmlformats.org/markup-compatibility/2006">
-    <mc:Choice xmlns:p14="http://schemas.microsoft.com/office/powerpoint/2010/main" Requires="p14">
+  <mc:AlternateContent xmlns:mc="http://schemas.openxmlformats.org/markup-compatibility/2006" xmlns:p14="http://schemas.microsoft.com/office/powerpoint/2010/main">
+    <mc:Choice Requires="p14">
       <p:transition spd="med" p14:dur="700">
         <p:fade/>
       </p:transition>
     </mc:Choice>
-    <mc:Fallback>
+    <mc:Fallback xmlns="">
       <p:transition spd="med">
         <p:fade/>
       </p:transition>
@@ -12665,13 +12666,13 @@
   <p:clrMapOvr>
     <a:masterClrMapping/>
   </p:clrMapOvr>
-  <mc:AlternateContent xmlns:mc="http://schemas.openxmlformats.org/markup-compatibility/2006">
-    <mc:Choice xmlns:p14="http://schemas.microsoft.com/office/powerpoint/2010/main" Requires="p14">
+  <mc:AlternateContent xmlns:mc="http://schemas.openxmlformats.org/markup-compatibility/2006" xmlns:p14="http://schemas.microsoft.com/office/powerpoint/2010/main">
+    <mc:Choice Requires="p14">
       <p:transition spd="med" p14:dur="700">
         <p:fade/>
       </p:transition>
     </mc:Choice>
-    <mc:Fallback>
+    <mc:Fallback xmlns="">
       <p:transition spd="med">
         <p:fade/>
       </p:transition>
@@ -13362,13 +13363,13 @@
   <p:clrMapOvr>
     <a:masterClrMapping/>
   </p:clrMapOvr>
-  <mc:AlternateContent xmlns:mc="http://schemas.openxmlformats.org/markup-compatibility/2006">
-    <mc:Choice xmlns:p14="http://schemas.microsoft.com/office/powerpoint/2010/main" Requires="p14">
+  <mc:AlternateContent xmlns:mc="http://schemas.openxmlformats.org/markup-compatibility/2006" xmlns:p14="http://schemas.microsoft.com/office/powerpoint/2010/main">
+    <mc:Choice Requires="p14">
       <p:transition spd="med" p14:dur="700">
         <p:fade/>
       </p:transition>
     </mc:Choice>
-    <mc:Fallback>
+    <mc:Fallback xmlns="">
       <p:transition spd="med">
         <p:fade/>
       </p:transition>
@@ -14087,13 +14088,13 @@
   <p:clrMapOvr>
     <a:masterClrMapping/>
   </p:clrMapOvr>
-  <mc:AlternateContent xmlns:mc="http://schemas.openxmlformats.org/markup-compatibility/2006">
-    <mc:Choice xmlns:p14="http://schemas.microsoft.com/office/powerpoint/2010/main" Requires="p14">
+  <mc:AlternateContent xmlns:mc="http://schemas.openxmlformats.org/markup-compatibility/2006" xmlns:p14="http://schemas.microsoft.com/office/powerpoint/2010/main">
+    <mc:Choice Requires="p14">
       <p:transition spd="med" p14:dur="700">
         <p:fade/>
       </p:transition>
     </mc:Choice>
-    <mc:Fallback>
+    <mc:Fallback xmlns="">
       <p:transition spd="med">
         <p:fade/>
       </p:transition>
@@ -14163,13 +14164,7 @@
               <a:rPr lang="da-DK" sz="2800" b="1" smtClean="0">
                 <a:latin typeface="Consolas" panose="020B0609020204030204" pitchFamily="49" charset="0"/>
               </a:rPr>
-              <a:t> </a:t>
-            </a:r>
-            <a:r>
-              <a:rPr lang="da-DK" sz="2800" b="1" smtClean="0">
-                <a:latin typeface="Consolas" panose="020B0609020204030204" pitchFamily="49" charset="0"/>
-              </a:rPr>
-              <a:t>abcv2 </a:t>
+              <a:t> abcv2 </a:t>
             </a:r>
             <a:r>
               <a:rPr lang="da-DK" sz="2800" b="1">
@@ -14963,11 +14958,11 @@
   <p:clrMapOvr>
     <a:masterClrMapping/>
   </p:clrMapOvr>
-  <mc:AlternateContent xmlns:mc="http://schemas.openxmlformats.org/markup-compatibility/2006">
-    <mc:Choice xmlns:p14="http://schemas.microsoft.com/office/powerpoint/2010/main" Requires="p14">
+  <mc:AlternateContent xmlns:mc="http://schemas.openxmlformats.org/markup-compatibility/2006" xmlns:p14="http://schemas.microsoft.com/office/powerpoint/2010/main">
+    <mc:Choice Requires="p14">
       <p:transition p14:dur="0"/>
     </mc:Choice>
-    <mc:Fallback>
+    <mc:Fallback xmlns="">
       <p:transition/>
     </mc:Fallback>
   </mc:AlternateContent>
@@ -15283,13 +15278,13 @@
   <p:clrMapOvr>
     <a:masterClrMapping/>
   </p:clrMapOvr>
-  <mc:AlternateContent xmlns:mc="http://schemas.openxmlformats.org/markup-compatibility/2006">
-    <mc:Choice xmlns:p14="http://schemas.microsoft.com/office/powerpoint/2010/main" Requires="p14">
+  <mc:AlternateContent xmlns:mc="http://schemas.openxmlformats.org/markup-compatibility/2006" xmlns:p14="http://schemas.microsoft.com/office/powerpoint/2010/main">
+    <mc:Choice Requires="p14">
       <p:transition spd="med" p14:dur="700">
         <p:fade/>
       </p:transition>
     </mc:Choice>
-    <mc:Fallback>
+    <mc:Fallback xmlns="">
       <p:transition spd="med">
         <p:fade/>
       </p:transition>
@@ -15782,13 +15777,13 @@
   <p:clrMapOvr>
     <a:masterClrMapping/>
   </p:clrMapOvr>
-  <mc:AlternateContent xmlns:mc="http://schemas.openxmlformats.org/markup-compatibility/2006">
-    <mc:Choice xmlns:p14="http://schemas.microsoft.com/office/powerpoint/2010/main" Requires="p14">
+  <mc:AlternateContent xmlns:mc="http://schemas.openxmlformats.org/markup-compatibility/2006" xmlns:p14="http://schemas.microsoft.com/office/powerpoint/2010/main">
+    <mc:Choice Requires="p14">
       <p:transition spd="med" p14:dur="700">
         <p:fade/>
       </p:transition>
     </mc:Choice>
-    <mc:Fallback>
+    <mc:Fallback xmlns="">
       <p:transition spd="med">
         <p:fade/>
       </p:transition>
@@ -16813,13 +16808,13 @@
   <p:clrMapOvr>
     <a:masterClrMapping/>
   </p:clrMapOvr>
-  <mc:AlternateContent xmlns:mc="http://schemas.openxmlformats.org/markup-compatibility/2006">
-    <mc:Choice xmlns:p14="http://schemas.microsoft.com/office/powerpoint/2010/main" Requires="p14">
+  <mc:AlternateContent xmlns:mc="http://schemas.openxmlformats.org/markup-compatibility/2006" xmlns:p14="http://schemas.microsoft.com/office/powerpoint/2010/main">
+    <mc:Choice Requires="p14">
       <p:transition spd="med" p14:dur="700">
         <p:fade/>
       </p:transition>
     </mc:Choice>
-    <mc:Fallback>
+    <mc:Fallback xmlns="">
       <p:transition spd="med">
         <p:fade/>
       </p:transition>
@@ -17023,13 +17018,13 @@
   <p:clrMapOvr>
     <a:masterClrMapping/>
   </p:clrMapOvr>
-  <mc:AlternateContent xmlns:mc="http://schemas.openxmlformats.org/markup-compatibility/2006">
-    <mc:Choice xmlns:p14="http://schemas.microsoft.com/office/powerpoint/2010/main" Requires="p14">
+  <mc:AlternateContent xmlns:mc="http://schemas.openxmlformats.org/markup-compatibility/2006" xmlns:p14="http://schemas.microsoft.com/office/powerpoint/2010/main">
+    <mc:Choice Requires="p14">
       <p:transition spd="med" p14:dur="700">
         <p:fade/>
       </p:transition>
     </mc:Choice>
-    <mc:Fallback>
+    <mc:Fallback xmlns="">
       <p:transition spd="med">
         <p:fade/>
       </p:transition>
@@ -19442,68 +19437,47 @@
           </a:p>
         </p:txBody>
       </p:sp>
-      <p:sp>
-        <p:nvSpPr>
-          <p:cNvPr id="10" name="Ellipse 9"/>
-          <p:cNvSpPr/>
+      <p:pic>
+        <p:nvPicPr>
+          <p:cNvPr id="11" name="Picture 2" descr="Billedresultat for question mark icon"/>
+          <p:cNvPicPr>
+            <a:picLocks noChangeAspect="1" noChangeArrowheads="1"/>
+          </p:cNvPicPr>
           <p:nvPr/>
-        </p:nvSpPr>
-        <p:spPr>
+        </p:nvPicPr>
+        <p:blipFill>
+          <a:blip r:embed="rId2" cstate="print">
+            <a:extLst>
+              <a:ext uri="{28A0092B-C50C-407E-A947-70E740481C1C}">
+                <a14:useLocalDpi xmlns:a14="http://schemas.microsoft.com/office/drawing/2010/main" val="0"/>
+              </a:ext>
+            </a:extLst>
+          </a:blip>
+          <a:srcRect/>
+          <a:stretch>
+            <a:fillRect/>
+          </a:stretch>
+        </p:blipFill>
+        <p:spPr bwMode="auto">
           <a:xfrm>
             <a:off x="7920000" y="3240000"/>
             <a:ext cx="2880000" cy="2880000"/>
           </a:xfrm>
-          <a:prstGeom prst="ellipse">
+          <a:prstGeom prst="rect">
             <a:avLst/>
           </a:prstGeom>
-          <a:solidFill>
-            <a:schemeClr val="bg1"/>
-          </a:solidFill>
-          <a:ln>
-            <a:solidFill>
-              <a:schemeClr val="accent6">
-                <a:lumMod val="50000"/>
-              </a:schemeClr>
-            </a:solidFill>
-          </a:ln>
+          <a:noFill/>
+          <a:extLst>
+            <a:ext uri="{909E8E84-426E-40DD-AFC4-6F175D3DCCD1}">
+              <a14:hiddenFill xmlns:a14="http://schemas.microsoft.com/office/drawing/2010/main">
+                <a:solidFill>
+                  <a:srgbClr val="FFFFFF"/>
+                </a:solidFill>
+              </a14:hiddenFill>
+            </a:ext>
+          </a:extLst>
         </p:spPr>
-        <p:style>
-          <a:lnRef idx="2">
-            <a:schemeClr val="accent1">
-              <a:shade val="50000"/>
-            </a:schemeClr>
-          </a:lnRef>
-          <a:fillRef idx="1">
-            <a:schemeClr val="accent1"/>
-          </a:fillRef>
-          <a:effectRef idx="0">
-            <a:schemeClr val="accent1"/>
-          </a:effectRef>
-          <a:fontRef idx="minor">
-            <a:schemeClr val="lt1"/>
-          </a:fontRef>
-        </p:style>
-        <p:txBody>
-          <a:bodyPr rtlCol="0" anchor="ctr"/>
-          <a:lstStyle/>
-          <a:p>
-            <a:pPr algn="ctr"/>
-            <a:r>
-              <a:rPr lang="da-DK" sz="19200" smtClean="0">
-                <a:solidFill>
-                  <a:srgbClr val="00B050"/>
-                </a:solidFill>
-              </a:rPr>
-              <a:t>?</a:t>
-            </a:r>
-            <a:endParaRPr lang="da-DK" sz="19200">
-              <a:solidFill>
-                <a:srgbClr val="00B050"/>
-              </a:solidFill>
-            </a:endParaRPr>
-          </a:p>
-        </p:txBody>
-      </p:sp>
+      </p:pic>
     </p:spTree>
     <p:extLst>
       <p:ext uri="{BB962C8B-B14F-4D97-AF65-F5344CB8AC3E}">
@@ -19807,7 +19781,7 @@
                             </p:stCondLst>
                             <p:childTnLst>
                               <p:par>
-                                <p:cTn id="29" presetID="10" presetClass="entr" presetSubtype="0" fill="hold" grpId="0" nodeType="afterEffect">
+                                <p:cTn id="29" presetID="10" presetClass="entr" presetSubtype="0" fill="hold" nodeType="afterEffect">
                                   <p:stCondLst>
                                     <p:cond delay="5000"/>
                                   </p:stCondLst>
@@ -19820,7 +19794,7 @@
                                           </p:stCondLst>
                                         </p:cTn>
                                         <p:tgtEl>
-                                          <p:spTgt spid="10"/>
+                                          <p:spTgt spid="11"/>
                                         </p:tgtEl>
                                         <p:attrNameLst>
                                           <p:attrName>style.visibility</p:attrName>
@@ -19834,7 +19808,7 @@
                                       <p:cBhvr>
                                         <p:cTn id="31" dur="500"/>
                                         <p:tgtEl>
-                                          <p:spTgt spid="10"/>
+                                          <p:spTgt spid="11"/>
                                         </p:tgtEl>
                                       </p:cBhvr>
                                     </p:animEffect>
@@ -19875,7 +19849,6 @@
       <p:bldP spid="7" grpId="0" animBg="1"/>
       <p:bldP spid="8" grpId="0" animBg="1"/>
       <p:bldP spid="9" grpId="0" animBg="1"/>
-      <p:bldP spid="10" grpId="0" animBg="1"/>
     </p:bldLst>
   </p:timing>
 </p:sld>
@@ -21119,13 +21092,13 @@
   <p:clrMapOvr>
     <a:masterClrMapping/>
   </p:clrMapOvr>
-  <mc:AlternateContent xmlns:mc="http://schemas.openxmlformats.org/markup-compatibility/2006">
-    <mc:Choice xmlns:p14="http://schemas.microsoft.com/office/powerpoint/2010/main" Requires="p14">
+  <mc:AlternateContent xmlns:mc="http://schemas.openxmlformats.org/markup-compatibility/2006" xmlns:p14="http://schemas.microsoft.com/office/powerpoint/2010/main">
+    <mc:Choice Requires="p14">
       <p:transition spd="med" p14:dur="700">
         <p:fade/>
       </p:transition>
     </mc:Choice>
-    <mc:Fallback>
+    <mc:Fallback xmlns="">
       <p:transition spd="med">
         <p:fade/>
       </p:transition>
@@ -24032,13 +24005,7 @@
               <a:rPr lang="da-DK" sz="2400" b="1" smtClean="0">
                 <a:latin typeface="Consolas" panose="020B0609020204030204" pitchFamily="49" charset="0"/>
               </a:rPr>
-              <a:t> </a:t>
-            </a:r>
-            <a:r>
-              <a:rPr lang="da-DK" sz="2400" b="1" smtClean="0">
-                <a:latin typeface="Consolas" panose="020B0609020204030204" pitchFamily="49" charset="0"/>
-              </a:rPr>
-              <a:t>condInt </a:t>
+              <a:t> condInt </a:t>
             </a:r>
             <a:r>
               <a:rPr lang="da-DK" sz="2400" b="1">
@@ -25301,13 +25268,13 @@
   <p:clrMapOvr>
     <a:masterClrMapping/>
   </p:clrMapOvr>
-  <mc:AlternateContent xmlns:mc="http://schemas.openxmlformats.org/markup-compatibility/2006">
-    <mc:Choice xmlns:p14="http://schemas.microsoft.com/office/powerpoint/2010/main" Requires="p14">
+  <mc:AlternateContent xmlns:mc="http://schemas.openxmlformats.org/markup-compatibility/2006" xmlns:p14="http://schemas.microsoft.com/office/powerpoint/2010/main">
+    <mc:Choice Requires="p14">
       <p:transition spd="med" p14:dur="700">
         <p:fade/>
       </p:transition>
     </mc:Choice>
-    <mc:Fallback>
+    <mc:Fallback xmlns="">
       <p:transition spd="med">
         <p:fade/>
       </p:transition>
@@ -26810,13 +26777,7 @@
               <a:rPr lang="da-DK" sz="2400" b="1" smtClean="0">
                 <a:latin typeface="Consolas" panose="020B0609020204030204" pitchFamily="49" charset="0"/>
               </a:rPr>
-              <a:t> </a:t>
-            </a:r>
-            <a:r>
-              <a:rPr lang="da-DK" sz="2400" b="1" smtClean="0">
-                <a:latin typeface="Consolas" panose="020B0609020204030204" pitchFamily="49" charset="0"/>
-              </a:rPr>
-              <a:t>condStr </a:t>
+              <a:t> condStr </a:t>
             </a:r>
             <a:r>
               <a:rPr lang="da-DK" sz="2400" b="1">
@@ -28289,13 +28250,13 @@
   <p:clrMapOvr>
     <a:masterClrMapping/>
   </p:clrMapOvr>
-  <mc:AlternateContent xmlns:mc="http://schemas.openxmlformats.org/markup-compatibility/2006">
-    <mc:Choice xmlns:p14="http://schemas.microsoft.com/office/powerpoint/2010/main" Requires="p14">
+  <mc:AlternateContent xmlns:mc="http://schemas.openxmlformats.org/markup-compatibility/2006" xmlns:p14="http://schemas.microsoft.com/office/powerpoint/2010/main">
+    <mc:Choice Requires="p14">
       <p:transition spd="med" p14:dur="700">
         <p:fade/>
       </p:transition>
     </mc:Choice>
-    <mc:Fallback>
+    <mc:Fallback xmlns="">
       <p:transition spd="med">
         <p:fade/>
       </p:transition>
@@ -28615,13 +28576,7 @@
               <a:rPr lang="da-DK" sz="2400" b="1" smtClean="0">
                 <a:latin typeface="Consolas" panose="020B0609020204030204" pitchFamily="49" charset="0"/>
               </a:rPr>
-              <a:t> </a:t>
-            </a:r>
-            <a:r>
-              <a:rPr lang="da-DK" sz="2400" b="1" smtClean="0">
-                <a:latin typeface="Consolas" panose="020B0609020204030204" pitchFamily="49" charset="0"/>
-              </a:rPr>
-              <a:t>condStr </a:t>
+              <a:t> condStr </a:t>
             </a:r>
             <a:r>
               <a:rPr lang="da-DK" sz="2400" b="1">
@@ -29062,19 +29017,7 @@
               <a:rPr lang="da-DK" sz="2400" b="1" smtClean="0">
                 <a:latin typeface="Consolas" panose="020B0609020204030204" pitchFamily="49" charset="0"/>
               </a:rPr>
-              <a:t> </a:t>
-            </a:r>
-            <a:r>
-              <a:rPr lang="da-DK" sz="2400" b="1" smtClean="0">
-                <a:latin typeface="Consolas" panose="020B0609020204030204" pitchFamily="49" charset="0"/>
-              </a:rPr>
-              <a:t>c</a:t>
-            </a:r>
-            <a:r>
-              <a:rPr lang="da-DK" sz="2400" b="1" smtClean="0">
-                <a:latin typeface="Consolas" panose="020B0609020204030204" pitchFamily="49" charset="0"/>
-              </a:rPr>
-              <a:t>ondStr </a:t>
+              <a:t> condStr </a:t>
             </a:r>
             <a:r>
               <a:rPr lang="da-DK" sz="2400" b="1">
@@ -29238,19 +29181,7 @@
               <a:rPr lang="da-DK" sz="2400" b="1" smtClean="0">
                 <a:latin typeface="Consolas" panose="020B0609020204030204" pitchFamily="49" charset="0"/>
               </a:rPr>
-              <a:t>filteredValuesStr = </a:t>
-            </a:r>
-            <a:r>
-              <a:rPr lang="da-DK" sz="2400" b="1" smtClean="0">
-                <a:latin typeface="Consolas" panose="020B0609020204030204" pitchFamily="49" charset="0"/>
-              </a:rPr>
-              <a:t>fv50.FilterValues(valuesStr</a:t>
-            </a:r>
-            <a:r>
-              <a:rPr lang="da-DK" sz="2400" b="1" smtClean="0">
-                <a:latin typeface="Consolas" panose="020B0609020204030204" pitchFamily="49" charset="0"/>
-              </a:rPr>
-              <a:t>, </a:t>
+              <a:t>filteredValuesStr = fv50.FilterValues(valuesStr, </a:t>
             </a:r>
             <a:r>
               <a:rPr lang="da-DK" sz="2400" b="1">
@@ -29284,13 +29215,13 @@
   <p:clrMapOvr>
     <a:masterClrMapping/>
   </p:clrMapOvr>
-  <mc:AlternateContent xmlns:mc="http://schemas.openxmlformats.org/markup-compatibility/2006">
-    <mc:Choice xmlns:p14="http://schemas.microsoft.com/office/powerpoint/2010/main" Requires="p14">
+  <mc:AlternateContent xmlns:mc="http://schemas.openxmlformats.org/markup-compatibility/2006" xmlns:p14="http://schemas.microsoft.com/office/powerpoint/2010/main">
+    <mc:Choice Requires="p14">
       <p:transition spd="med" p14:dur="700">
         <p:fade/>
       </p:transition>
     </mc:Choice>
-    <mc:Fallback>
+    <mc:Fallback xmlns="">
       <p:transition spd="med">
         <p:fade/>
       </p:transition>
@@ -29920,13 +29851,13 @@
   <p:clrMapOvr>
     <a:masterClrMapping/>
   </p:clrMapOvr>
-  <mc:AlternateContent xmlns:mc="http://schemas.openxmlformats.org/markup-compatibility/2006">
-    <mc:Choice xmlns:p14="http://schemas.microsoft.com/office/powerpoint/2010/main" Requires="p14">
+  <mc:AlternateContent xmlns:mc="http://schemas.openxmlformats.org/markup-compatibility/2006" xmlns:p14="http://schemas.microsoft.com/office/powerpoint/2010/main">
+    <mc:Choice Requires="p14">
       <p:transition spd="med" p14:dur="700">
         <p:fade/>
       </p:transition>
     </mc:Choice>
-    <mc:Fallback>
+    <mc:Fallback xmlns="">
       <p:transition spd="med">
         <p:fade/>
       </p:transition>
